--- a/PPT/第二组-实验一讲解.pptx
+++ b/PPT/第二组-实验一讲解.pptx
@@ -19,9 +19,11 @@
     <p:sldId id="260" r:id="rId13"/>
     <p:sldId id="261" r:id="rId14"/>
     <p:sldId id="262" r:id="rId15"/>
-    <p:sldId id="263" r:id="rId16"/>
-    <p:sldId id="264" r:id="rId17"/>
-    <p:sldId id="265" r:id="rId18"/>
+    <p:sldId id="273" r:id="rId16"/>
+    <p:sldId id="274" r:id="rId17"/>
+    <p:sldId id="263" r:id="rId18"/>
+    <p:sldId id="264" r:id="rId19"/>
+    <p:sldId id="265" r:id="rId20"/>
   </p:sldIdLst>
   <p:sldSz cx="12192000" cy="6858000"/>
   <p:notesSz cx="6858000" cy="9144000"/>
@@ -4649,6 +4651,72 @@
           </a:p>
         </p:txBody>
       </p:sp>
+      <p:pic>
+        <p:nvPicPr>
+          <p:cNvPr id="4" name="Picture 3">
+            <a:extLst>
+              <a:ext uri="{FF2B5EF4-FFF2-40B4-BE49-F238E27FC236}">
+                <a16:creationId xmlns:a16="http://schemas.microsoft.com/office/drawing/2014/main" id="{5E463DA4-2A3F-6A45-B5ED-2084D161FC96}"/>
+              </a:ext>
+            </a:extLst>
+          </p:cNvPr>
+          <p:cNvPicPr>
+            <a:picLocks noChangeAspect="1"/>
+          </p:cNvPicPr>
+          <p:nvPr/>
+        </p:nvPicPr>
+        <p:blipFill>
+          <a:blip r:embed="rId2"/>
+          <a:stretch>
+            <a:fillRect/>
+          </a:stretch>
+        </p:blipFill>
+        <p:spPr>
+          <a:xfrm>
+            <a:off x="0" y="1424075"/>
+            <a:ext cx="11988564" cy="4009850"/>
+          </a:xfrm>
+          <a:prstGeom prst="rect">
+            <a:avLst/>
+          </a:prstGeom>
+        </p:spPr>
+      </p:pic>
+      <p:sp>
+        <p:nvSpPr>
+          <p:cNvPr id="6" name="文本框 5">
+            <a:extLst>
+              <a:ext uri="{FF2B5EF4-FFF2-40B4-BE49-F238E27FC236}">
+                <a16:creationId xmlns:a16="http://schemas.microsoft.com/office/drawing/2014/main" id="{5694FAF9-E102-944D-8FAD-6FF87DB32C42}"/>
+              </a:ext>
+            </a:extLst>
+          </p:cNvPr>
+          <p:cNvSpPr txBox="1"/>
+          <p:nvPr/>
+        </p:nvSpPr>
+        <p:spPr>
+          <a:xfrm>
+            <a:off x="308919" y="5433925"/>
+            <a:ext cx="11774349" cy="369332"/>
+          </a:xfrm>
+          <a:prstGeom prst="rect">
+            <a:avLst/>
+          </a:prstGeom>
+          <a:noFill/>
+        </p:spPr>
+        <p:txBody>
+          <a:bodyPr wrap="square" rtlCol="0">
+            <a:spAutoFit/>
+          </a:bodyPr>
+          <a:lstStyle/>
+          <a:p>
+            <a:r>
+              <a:rPr lang="en-US" altLang="zh-CN" dirty="0"/>
+              <a:t>Register 32 -&gt; 64</a:t>
+            </a:r>
+            <a:endParaRPr lang="zh-CN" altLang="en-US" dirty="0"/>
+          </a:p>
+        </p:txBody>
+      </p:sp>
     </p:spTree>
     <p:extLst>
       <p:ext uri="{BB962C8B-B14F-4D97-AF65-F5344CB8AC3E}">
@@ -4715,15 +4783,89 @@
             </a:r>
             <a:r>
               <a:rPr lang="zh-CN" altLang="en-US" dirty="0"/>
-              <a:t>董旭</a:t>
-            </a:r>
-          </a:p>
-        </p:txBody>
-      </p:sp>
+              <a:t>张峻滔</a:t>
+            </a:r>
+          </a:p>
+        </p:txBody>
+      </p:sp>
+      <p:sp>
+        <p:nvSpPr>
+          <p:cNvPr id="6" name="文本框 5">
+            <a:extLst>
+              <a:ext uri="{FF2B5EF4-FFF2-40B4-BE49-F238E27FC236}">
+                <a16:creationId xmlns:a16="http://schemas.microsoft.com/office/drawing/2014/main" id="{5694FAF9-E102-944D-8FAD-6FF87DB32C42}"/>
+              </a:ext>
+            </a:extLst>
+          </p:cNvPr>
+          <p:cNvSpPr txBox="1"/>
+          <p:nvPr/>
+        </p:nvSpPr>
+        <p:spPr>
+          <a:xfrm>
+            <a:off x="107107" y="6397752"/>
+            <a:ext cx="11774349" cy="369332"/>
+          </a:xfrm>
+          <a:prstGeom prst="rect">
+            <a:avLst/>
+          </a:prstGeom>
+          <a:noFill/>
+        </p:spPr>
+        <p:txBody>
+          <a:bodyPr wrap="square" rtlCol="0">
+            <a:spAutoFit/>
+          </a:bodyPr>
+          <a:lstStyle/>
+          <a:p>
+            <a:r>
+              <a:rPr lang="en-US" altLang="zh-CN" dirty="0"/>
+              <a:t>ALU and </a:t>
+            </a:r>
+            <a:r>
+              <a:rPr lang="en-US" altLang="zh-CN" dirty="0" err="1"/>
+              <a:t>DataMem</a:t>
+            </a:r>
+            <a:r>
+              <a:rPr lang="en-US" altLang="zh-CN" dirty="0"/>
+              <a:t> 32 -&gt; 64</a:t>
+            </a:r>
+            <a:endParaRPr lang="zh-CN" altLang="en-US" dirty="0"/>
+          </a:p>
+        </p:txBody>
+      </p:sp>
+      <p:pic>
+        <p:nvPicPr>
+          <p:cNvPr id="3" name="Picture 2">
+            <a:extLst>
+              <a:ext uri="{FF2B5EF4-FFF2-40B4-BE49-F238E27FC236}">
+                <a16:creationId xmlns:a16="http://schemas.microsoft.com/office/drawing/2014/main" id="{175D17E8-9AFF-1E4C-AA8A-171595123B0D}"/>
+              </a:ext>
+            </a:extLst>
+          </p:cNvPr>
+          <p:cNvPicPr>
+            <a:picLocks noChangeAspect="1"/>
+          </p:cNvPicPr>
+          <p:nvPr/>
+        </p:nvPicPr>
+        <p:blipFill>
+          <a:blip r:embed="rId2"/>
+          <a:stretch>
+            <a:fillRect/>
+          </a:stretch>
+        </p:blipFill>
+        <p:spPr>
+          <a:xfrm>
+            <a:off x="0" y="1477701"/>
+            <a:ext cx="12192000" cy="4827468"/>
+          </a:xfrm>
+          <a:prstGeom prst="rect">
+            <a:avLst/>
+          </a:prstGeom>
+        </p:spPr>
+      </p:pic>
     </p:spTree>
     <p:extLst>
       <p:ext uri="{BB962C8B-B14F-4D97-AF65-F5344CB8AC3E}">
-        <p14:creationId xmlns:p14="http://schemas.microsoft.com/office/powerpoint/2010/main" val="3980868694"/>
+        <p14:creationId xmlns:p14="http://schemas.microsoft.com/office/powerpoint/2010/main" val="20038780"/>
       </p:ext>
     </p:extLst>
   </p:cSld>
@@ -4786,6 +4928,214 @@
             </a:r>
             <a:r>
               <a:rPr lang="zh-CN" altLang="en-US" dirty="0"/>
+              <a:t>张峻滔</a:t>
+            </a:r>
+          </a:p>
+        </p:txBody>
+      </p:sp>
+      <p:sp>
+        <p:nvSpPr>
+          <p:cNvPr id="6" name="文本框 5">
+            <a:extLst>
+              <a:ext uri="{FF2B5EF4-FFF2-40B4-BE49-F238E27FC236}">
+                <a16:creationId xmlns:a16="http://schemas.microsoft.com/office/drawing/2014/main" id="{5694FAF9-E102-944D-8FAD-6FF87DB32C42}"/>
+              </a:ext>
+            </a:extLst>
+          </p:cNvPr>
+          <p:cNvSpPr txBox="1"/>
+          <p:nvPr/>
+        </p:nvSpPr>
+        <p:spPr>
+          <a:xfrm>
+            <a:off x="107107" y="6397752"/>
+            <a:ext cx="11774349" cy="369332"/>
+          </a:xfrm>
+          <a:prstGeom prst="rect">
+            <a:avLst/>
+          </a:prstGeom>
+          <a:noFill/>
+        </p:spPr>
+        <p:txBody>
+          <a:bodyPr wrap="square" rtlCol="0">
+            <a:spAutoFit/>
+          </a:bodyPr>
+          <a:lstStyle/>
+          <a:p>
+            <a:r>
+              <a:rPr lang="en-US" altLang="zh-CN" dirty="0"/>
+              <a:t>Main function change</a:t>
+            </a:r>
+            <a:endParaRPr lang="zh-CN" altLang="en-US" dirty="0"/>
+          </a:p>
+        </p:txBody>
+      </p:sp>
+      <p:pic>
+        <p:nvPicPr>
+          <p:cNvPr id="8" name="Picture 7">
+            <a:extLst>
+              <a:ext uri="{FF2B5EF4-FFF2-40B4-BE49-F238E27FC236}">
+                <a16:creationId xmlns:a16="http://schemas.microsoft.com/office/drawing/2014/main" id="{DF902B83-5D80-8C49-AC14-4D5E1C790D70}"/>
+              </a:ext>
+            </a:extLst>
+          </p:cNvPr>
+          <p:cNvPicPr>
+            <a:picLocks noChangeAspect="1"/>
+          </p:cNvPicPr>
+          <p:nvPr/>
+        </p:nvPicPr>
+        <p:blipFill>
+          <a:blip r:embed="rId2"/>
+          <a:stretch>
+            <a:fillRect/>
+          </a:stretch>
+        </p:blipFill>
+        <p:spPr>
+          <a:xfrm>
+            <a:off x="0" y="1497304"/>
+            <a:ext cx="12192000" cy="4677051"/>
+          </a:xfrm>
+          <a:prstGeom prst="rect">
+            <a:avLst/>
+          </a:prstGeom>
+        </p:spPr>
+      </p:pic>
+    </p:spTree>
+    <p:extLst>
+      <p:ext uri="{BB962C8B-B14F-4D97-AF65-F5344CB8AC3E}">
+        <p14:creationId xmlns:p14="http://schemas.microsoft.com/office/powerpoint/2010/main" val="2379197073"/>
+      </p:ext>
+    </p:extLst>
+  </p:cSld>
+  <p:clrMapOvr>
+    <a:masterClrMapping/>
+  </p:clrMapOvr>
+</p:sld>
+</file>
+
+<file path=ppt/slides/slide17.xml><?xml version="1.0" encoding="utf-8"?>
+<p:sld xmlns:a="http://schemas.openxmlformats.org/drawingml/2006/main" xmlns:r="http://schemas.openxmlformats.org/officeDocument/2006/relationships" xmlns:p="http://schemas.openxmlformats.org/presentationml/2006/main">
+  <p:cSld>
+    <p:spTree>
+      <p:nvGrpSpPr>
+        <p:cNvPr id="1" name=""/>
+        <p:cNvGrpSpPr/>
+        <p:nvPr/>
+      </p:nvGrpSpPr>
+      <p:grpSpPr>
+        <a:xfrm>
+          <a:off x="0" y="0"/>
+          <a:ext cx="0" cy="0"/>
+          <a:chOff x="0" y="0"/>
+          <a:chExt cx="0" cy="0"/>
+        </a:xfrm>
+      </p:grpSpPr>
+      <p:sp>
+        <p:nvSpPr>
+          <p:cNvPr id="2" name="标题 1">
+            <a:extLst>
+              <a:ext uri="{FF2B5EF4-FFF2-40B4-BE49-F238E27FC236}">
+                <a16:creationId xmlns:a16="http://schemas.microsoft.com/office/drawing/2014/main" id="{20B79B0E-E97D-47BB-A6DD-F2D21E0957AE}"/>
+              </a:ext>
+            </a:extLst>
+          </p:cNvPr>
+          <p:cNvSpPr>
+            <a:spLocks noGrp="1"/>
+          </p:cNvSpPr>
+          <p:nvPr>
+            <p:ph type="title"/>
+          </p:nvPr>
+        </p:nvSpPr>
+        <p:spPr>
+          <a:xfrm>
+            <a:off x="838200" y="365125"/>
+            <a:ext cx="10515600" cy="908783"/>
+          </a:xfrm>
+        </p:spPr>
+        <p:txBody>
+          <a:bodyPr/>
+          <a:lstStyle/>
+          <a:p>
+            <a:r>
+              <a:rPr lang="zh-CN" altLang="en-US" dirty="0"/>
+              <a:t>修改内容说明</a:t>
+            </a:r>
+            <a:r>
+              <a:rPr lang="en-US" altLang="zh-CN" dirty="0"/>
+              <a:t>-</a:t>
+            </a:r>
+            <a:r>
+              <a:rPr lang="zh-CN" altLang="en-US" dirty="0"/>
+              <a:t>董旭</a:t>
+            </a:r>
+          </a:p>
+        </p:txBody>
+      </p:sp>
+    </p:spTree>
+    <p:extLst>
+      <p:ext uri="{BB962C8B-B14F-4D97-AF65-F5344CB8AC3E}">
+        <p14:creationId xmlns:p14="http://schemas.microsoft.com/office/powerpoint/2010/main" val="3980868694"/>
+      </p:ext>
+    </p:extLst>
+  </p:cSld>
+  <p:clrMapOvr>
+    <a:masterClrMapping/>
+  </p:clrMapOvr>
+</p:sld>
+</file>
+
+<file path=ppt/slides/slide18.xml><?xml version="1.0" encoding="utf-8"?>
+<p:sld xmlns:a="http://schemas.openxmlformats.org/drawingml/2006/main" xmlns:r="http://schemas.openxmlformats.org/officeDocument/2006/relationships" xmlns:p="http://schemas.openxmlformats.org/presentationml/2006/main">
+  <p:cSld>
+    <p:spTree>
+      <p:nvGrpSpPr>
+        <p:cNvPr id="1" name=""/>
+        <p:cNvGrpSpPr/>
+        <p:nvPr/>
+      </p:nvGrpSpPr>
+      <p:grpSpPr>
+        <a:xfrm>
+          <a:off x="0" y="0"/>
+          <a:ext cx="0" cy="0"/>
+          <a:chOff x="0" y="0"/>
+          <a:chExt cx="0" cy="0"/>
+        </a:xfrm>
+      </p:grpSpPr>
+      <p:sp>
+        <p:nvSpPr>
+          <p:cNvPr id="2" name="标题 1">
+            <a:extLst>
+              <a:ext uri="{FF2B5EF4-FFF2-40B4-BE49-F238E27FC236}">
+                <a16:creationId xmlns:a16="http://schemas.microsoft.com/office/drawing/2014/main" id="{20B79B0E-E97D-47BB-A6DD-F2D21E0957AE}"/>
+              </a:ext>
+            </a:extLst>
+          </p:cNvPr>
+          <p:cNvSpPr>
+            <a:spLocks noGrp="1"/>
+          </p:cNvSpPr>
+          <p:nvPr>
+            <p:ph type="title"/>
+          </p:nvPr>
+        </p:nvSpPr>
+        <p:spPr>
+          <a:xfrm>
+            <a:off x="838200" y="365125"/>
+            <a:ext cx="10515600" cy="908783"/>
+          </a:xfrm>
+        </p:spPr>
+        <p:txBody>
+          <a:bodyPr/>
+          <a:lstStyle/>
+          <a:p>
+            <a:r>
+              <a:rPr lang="zh-CN" altLang="en-US" dirty="0"/>
+              <a:t>修改内容说明</a:t>
+            </a:r>
+            <a:r>
+              <a:rPr lang="en-US" altLang="zh-CN" dirty="0"/>
+              <a:t>-</a:t>
+            </a:r>
+            <a:r>
+              <a:rPr lang="zh-CN" altLang="en-US" dirty="0"/>
               <a:t>李剑楠</a:t>
             </a:r>
           </a:p>
@@ -4804,7 +5154,7 @@
 </p:sld>
 </file>
 
-<file path=ppt/slides/slide17.xml><?xml version="1.0" encoding="utf-8"?>
+<file path=ppt/slides/slide19.xml><?xml version="1.0" encoding="utf-8"?>
 <p:sld xmlns:a="http://schemas.openxmlformats.org/drawingml/2006/main" xmlns:r="http://schemas.openxmlformats.org/officeDocument/2006/relationships" xmlns:p="http://schemas.openxmlformats.org/presentationml/2006/main">
   <p:cSld>
     <p:spTree>
